--- a/presentation/SlideTeam39.pptx
+++ b/presentation/SlideTeam39.pptx
@@ -19,7 +19,7 @@
     <p:sldId id="297" r:id="rId10"/>
     <p:sldId id="302" r:id="rId11"/>
     <p:sldId id="303" r:id="rId12"/>
-    <p:sldId id="304" r:id="rId13"/>
+    <p:sldId id="307" r:id="rId13"/>
     <p:sldId id="305" r:id="rId14"/>
     <p:sldId id="298" r:id="rId15"/>
     <p:sldId id="306" r:id="rId16"/>
@@ -28,15 +28,15 @@
   <p:notesSz cx="6858000" cy="9144000"/>
   <p:embeddedFontLst>
     <p:embeddedFont>
-      <p:font typeface="Raleway" panose="020B0604020202020204" charset="0"/>
+      <p:font typeface="Press Start 2P" panose="020B0604020202020204" charset="0"/>
       <p:regular r:id="rId18"/>
-      <p:bold r:id="rId19"/>
-      <p:italic r:id="rId20"/>
-      <p:boldItalic r:id="rId21"/>
     </p:embeddedFont>
     <p:embeddedFont>
-      <p:font typeface="Press Start 2P" panose="020B0604020202020204" charset="0"/>
-      <p:regular r:id="rId22"/>
+      <p:font typeface="Raleway" panose="020B0604020202020204" charset="0"/>
+      <p:regular r:id="rId19"/>
+      <p:bold r:id="rId20"/>
+      <p:italic r:id="rId21"/>
+      <p:boldItalic r:id="rId22"/>
     </p:embeddedFont>
     <p:embeddedFont>
       <p:font typeface="Arimo" panose="020B0604020202020204" charset="0"/>
@@ -834,7 +834,7 @@
               </a:spcAft>
               <a:buNone/>
             </a:pPr>
-            <a:endParaRPr/>
+            <a:endParaRPr dirty="0"/>
           </a:p>
         </p:txBody>
       </p:sp>
@@ -1163,7 +1163,7 @@
     </p:spTree>
     <p:extLst>
       <p:ext uri="{BB962C8B-B14F-4D97-AF65-F5344CB8AC3E}">
-        <p14:creationId xmlns:p14="http://schemas.microsoft.com/office/powerpoint/2010/main" val="2918265384"/>
+        <p14:creationId xmlns:p14="http://schemas.microsoft.com/office/powerpoint/2010/main" val="1549400665"/>
       </p:ext>
     </p:extLst>
   </p:cSld>
@@ -31521,7 +31521,7 @@
       </p:grpSpPr>
       <p:pic>
         <p:nvPicPr>
-          <p:cNvPr id="2" name="Picture 1"/>
+          <p:cNvPr id="3" name="Picture 2"/>
           <p:cNvPicPr>
             <a:picLocks noChangeAspect="1"/>
           </p:cNvPicPr>
@@ -31541,8 +31541,8 @@
         </p:blipFill>
         <p:spPr>
           <a:xfrm>
-            <a:off x="1192519" y="310896"/>
-            <a:ext cx="6717077" cy="4357116"/>
+            <a:off x="1000005" y="447039"/>
+            <a:ext cx="7163859" cy="4195233"/>
           </a:xfrm>
           <a:prstGeom prst="rect">
             <a:avLst/>
@@ -31588,7 +31588,7 @@
       </p:grpSpPr>
       <p:pic>
         <p:nvPicPr>
-          <p:cNvPr id="3" name="Picture 2"/>
+          <p:cNvPr id="4" name="Picture 3"/>
           <p:cNvPicPr>
             <a:picLocks noChangeAspect="1"/>
           </p:cNvPicPr>
@@ -31602,8 +31602,8 @@
         </p:blipFill>
         <p:spPr>
           <a:xfrm>
-            <a:off x="770994" y="728405"/>
-            <a:ext cx="7602011" cy="3686689"/>
+            <a:off x="394704" y="1438117"/>
+            <a:ext cx="8354591" cy="2267266"/>
           </a:xfrm>
           <a:prstGeom prst="rect">
             <a:avLst/>
@@ -31613,7 +31613,7 @@
     </p:spTree>
     <p:extLst>
       <p:ext uri="{BB962C8B-B14F-4D97-AF65-F5344CB8AC3E}">
-        <p14:creationId xmlns:p14="http://schemas.microsoft.com/office/powerpoint/2010/main" val="4087171936"/>
+        <p14:creationId xmlns:p14="http://schemas.microsoft.com/office/powerpoint/2010/main" val="1774808247"/>
       </p:ext>
     </p:extLst>
   </p:cSld>
@@ -31649,7 +31649,7 @@
       </p:grpSpPr>
       <p:pic>
         <p:nvPicPr>
-          <p:cNvPr id="2" name="Picture 1"/>
+          <p:cNvPr id="3" name="Picture 2"/>
           <p:cNvPicPr>
             <a:picLocks noChangeAspect="1"/>
           </p:cNvPicPr>
@@ -31663,8 +31663,8 @@
         </p:blipFill>
         <p:spPr>
           <a:xfrm>
-            <a:off x="1844496" y="533116"/>
-            <a:ext cx="5421936" cy="3759994"/>
+            <a:off x="1456266" y="567568"/>
+            <a:ext cx="6055360" cy="3903569"/>
           </a:xfrm>
           <a:prstGeom prst="rect">
             <a:avLst/>
@@ -45210,17 +45210,7 @@
                 <a:latin typeface="+mn-lt"/>
                 <a:cs typeface="SVN-Coder's Crux" panose="00000400000000000000" pitchFamily="50" charset="-79"/>
               </a:rPr>
-              <a:t>Điều kiện </a:t>
-            </a:r>
-            <a:r>
-              <a:rPr lang="vi-VN" sz="2000" dirty="0" smtClean="0">
-                <a:solidFill>
-                  <a:schemeClr val="tx1"/>
-                </a:solidFill>
-                <a:latin typeface="+mn-lt"/>
-                <a:cs typeface="SVN-Coder's Crux" panose="00000400000000000000" pitchFamily="50" charset="-79"/>
-              </a:rPr>
-              <a:t>dừng </a:t>
+              <a:t>Điều kiện dừng </a:t>
             </a:r>
             <a:r>
               <a:rPr lang="vi-VN" sz="2000" dirty="0">
@@ -45290,13 +45280,6 @@
               </a:rPr>
               <a:t>Điều kiện kết thúc ván đấu</a:t>
             </a:r>
-            <a:endParaRPr lang="vi-VN" sz="2000" dirty="0" smtClean="0">
-              <a:solidFill>
-                <a:schemeClr val="tx1"/>
-              </a:solidFill>
-              <a:latin typeface="+mn-lt"/>
-              <a:cs typeface="SVN-Coder's Crux" panose="00000400000000000000" pitchFamily="50" charset="-79"/>
-            </a:endParaRPr>
           </a:p>
         </p:txBody>
       </p:sp>
@@ -49701,7 +49684,7 @@
         </p:blipFill>
         <p:spPr bwMode="auto">
           <a:xfrm>
-            <a:off x="4105251" y="481584"/>
+            <a:off x="3810447" y="403842"/>
             <a:ext cx="1530159" cy="1673878"/>
           </a:xfrm>
           <a:prstGeom prst="rect">
@@ -49799,7 +49782,7 @@
         </p:nvSpPr>
         <p:spPr>
           <a:xfrm>
-            <a:off x="4361516" y="2052465"/>
+            <a:off x="4054653" y="2050772"/>
             <a:ext cx="1164793" cy="523220"/>
           </a:xfrm>
           <a:prstGeom prst="rect">
@@ -49910,7 +49893,23 @@
                   <a:schemeClr val="tx1"/>
                 </a:solidFill>
               </a:rPr>
-              <a:t>- Điểm số </a:t>
+              <a:t>- </a:t>
+            </a:r>
+            <a:r>
+              <a:rPr lang="vi-VN" dirty="0" smtClean="0">
+                <a:solidFill>
+                  <a:schemeClr val="tx1"/>
+                </a:solidFill>
+              </a:rPr>
+              <a:t>Các đá sở hữ</a:t>
+            </a:r>
+            <a:r>
+              <a:rPr lang="vi-VN" dirty="0" smtClean="0">
+                <a:solidFill>
+                  <a:schemeClr val="tx1"/>
+                </a:solidFill>
+              </a:rPr>
+              <a:t/>
             </a:r>
             <a:br>
               <a:rPr lang="vi-VN" dirty="0" smtClean="0">
@@ -49938,7 +49937,7 @@
         </p:nvSpPr>
         <p:spPr>
           <a:xfrm>
-            <a:off x="4105251" y="2728138"/>
+            <a:off x="3776656" y="2728138"/>
             <a:ext cx="1633728" cy="523220"/>
           </a:xfrm>
           <a:prstGeom prst="rect">
@@ -49975,48 +49974,6 @@
               </a:rPr>
               <a:t>- Đá có trong ô </a:t>
             </a:r>
-          </a:p>
-        </p:txBody>
-      </p:sp>
-      <p:sp>
-        <p:nvSpPr>
-          <p:cNvPr id="11" name="TextBox 10"/>
-          <p:cNvSpPr txBox="1"/>
-          <p:nvPr/>
-        </p:nvSpPr>
-        <p:spPr>
-          <a:xfrm>
-            <a:off x="2781299" y="1109562"/>
-            <a:ext cx="1170432" cy="523220"/>
-          </a:xfrm>
-          <a:prstGeom prst="rect">
-            <a:avLst/>
-          </a:prstGeom>
-          <a:noFill/>
-        </p:spPr>
-        <p:txBody>
-          <a:bodyPr wrap="square" rtlCol="0">
-            <a:spAutoFit/>
-          </a:bodyPr>
-          <a:lstStyle/>
-          <a:p>
-            <a:r>
-              <a:rPr lang="vi-VN" sz="2800" smtClean="0">
-                <a:solidFill>
-                  <a:schemeClr val="tx1"/>
-                </a:solidFill>
-                <a:latin typeface="SVN-Coder's Crux" panose="00000400000000000000" pitchFamily="50" charset="-79"/>
-                <a:cs typeface="SVN-Coder's Crux" panose="00000400000000000000" pitchFamily="50" charset="-79"/>
-              </a:rPr>
-              <a:t>SỞ HỮU</a:t>
-            </a:r>
-            <a:endParaRPr lang="en-US" sz="2800" dirty="0">
-              <a:solidFill>
-                <a:schemeClr val="tx1"/>
-              </a:solidFill>
-              <a:latin typeface="SVN-Coder's Crux" panose="00000400000000000000" pitchFamily="50" charset="-79"/>
-              <a:cs typeface="SVN-Coder's Crux" panose="00000400000000000000" pitchFamily="50" charset="-79"/>
-            </a:endParaRPr>
           </a:p>
         </p:txBody>
       </p:sp>
@@ -50111,8 +50068,8 @@
         </p:nvSpPr>
         <p:spPr>
           <a:xfrm>
-            <a:off x="6586854" y="2728138"/>
-            <a:ext cx="1709801" cy="523220"/>
+            <a:off x="6492027" y="2728138"/>
+            <a:ext cx="1866266" cy="523220"/>
           </a:xfrm>
           <a:prstGeom prst="rect">
             <a:avLst/>
@@ -50126,13 +50083,42 @@
           <a:lstStyle/>
           <a:p>
             <a:r>
-              <a:rPr lang="vi-VN" dirty="0" smtClean="0">
+              <a:rPr lang="vi-VN" smtClean="0">
                 <a:solidFill>
                   <a:schemeClr val="tx1"/>
                 </a:solidFill>
               </a:rPr>
-              <a:t>- Gem = Điểm</a:t>
+              <a:t>- </a:t>
             </a:r>
+            <a:r>
+              <a:rPr lang="vi-VN" smtClean="0">
+                <a:solidFill>
+                  <a:schemeClr val="tx1"/>
+                </a:solidFill>
+              </a:rPr>
+              <a:t>SmallGem </a:t>
+            </a:r>
+            <a:r>
+              <a:rPr lang="vi-VN" smtClean="0">
+                <a:solidFill>
+                  <a:schemeClr val="tx1"/>
+                </a:solidFill>
+              </a:rPr>
+              <a:t>= </a:t>
+            </a:r>
+            <a:r>
+              <a:rPr lang="vi-VN" smtClean="0">
+                <a:solidFill>
+                  <a:schemeClr val="tx1"/>
+                </a:solidFill>
+              </a:rPr>
+              <a:t>1 điểm</a:t>
+            </a:r>
+            <a:endParaRPr lang="vi-VN" dirty="0" smtClean="0">
+              <a:solidFill>
+                <a:schemeClr val="tx1"/>
+              </a:solidFill>
+            </a:endParaRPr>
           </a:p>
           <a:p>
             <a:r>

--- a/presentation/SlideTeam39.pptx
+++ b/presentation/SlideTeam39.pptx
@@ -28,25 +28,25 @@
   <p:notesSz cx="6858000" cy="9144000"/>
   <p:embeddedFontLst>
     <p:embeddedFont>
+      <p:font typeface="Playfair Display SemiBold" panose="020B0604020202020204" charset="0"/>
+      <p:regular r:id="rId18"/>
+      <p:bold r:id="rId19"/>
+      <p:italic r:id="rId20"/>
+      <p:boldItalic r:id="rId21"/>
+    </p:embeddedFont>
+    <p:embeddedFont>
+      <p:font typeface="Arimo" panose="020B0604020202020204" charset="0"/>
+      <p:regular r:id="rId22"/>
+      <p:bold r:id="rId23"/>
+      <p:italic r:id="rId24"/>
+      <p:boldItalic r:id="rId25"/>
+    </p:embeddedFont>
+    <p:embeddedFont>
       <p:font typeface="Press Start 2P" panose="020B0604020202020204" charset="0"/>
-      <p:regular r:id="rId18"/>
+      <p:regular r:id="rId26"/>
     </p:embeddedFont>
     <p:embeddedFont>
       <p:font typeface="Raleway" panose="020B0604020202020204" charset="0"/>
-      <p:regular r:id="rId19"/>
-      <p:bold r:id="rId20"/>
-      <p:italic r:id="rId21"/>
-      <p:boldItalic r:id="rId22"/>
-    </p:embeddedFont>
-    <p:embeddedFont>
-      <p:font typeface="Arimo" panose="020B0604020202020204" charset="0"/>
-      <p:regular r:id="rId23"/>
-      <p:bold r:id="rId24"/>
-      <p:italic r:id="rId25"/>
-      <p:boldItalic r:id="rId26"/>
-    </p:embeddedFont>
-    <p:embeddedFont>
-      <p:font typeface="Playfair Display SemiBold" panose="020B0604020202020204" charset="0"/>
       <p:regular r:id="rId27"/>
       <p:bold r:id="rId28"/>
       <p:italic r:id="rId29"/>
@@ -31521,7 +31521,7 @@
       </p:grpSpPr>
       <p:pic>
         <p:nvPicPr>
-          <p:cNvPr id="3" name="Picture 2"/>
+          <p:cNvPr id="2" name="Picture 1"/>
           <p:cNvPicPr>
             <a:picLocks noChangeAspect="1"/>
           </p:cNvPicPr>
@@ -31541,8 +31541,8 @@
         </p:blipFill>
         <p:spPr>
           <a:xfrm>
-            <a:off x="1000005" y="447039"/>
-            <a:ext cx="7163859" cy="4195233"/>
+            <a:off x="661338" y="284479"/>
+            <a:ext cx="7800005" cy="4567767"/>
           </a:xfrm>
           <a:prstGeom prst="rect">
             <a:avLst/>
@@ -31588,7 +31588,7 @@
       </p:grpSpPr>
       <p:pic>
         <p:nvPicPr>
-          <p:cNvPr id="4" name="Picture 3"/>
+          <p:cNvPr id="2" name="Picture 1"/>
           <p:cNvPicPr>
             <a:picLocks noChangeAspect="1"/>
           </p:cNvPicPr>
@@ -31602,8 +31602,8 @@
         </p:blipFill>
         <p:spPr>
           <a:xfrm>
-            <a:off x="394704" y="1438117"/>
-            <a:ext cx="8354591" cy="2267266"/>
+            <a:off x="288910" y="1432275"/>
+            <a:ext cx="8535701" cy="2238872"/>
           </a:xfrm>
           <a:prstGeom prst="rect">
             <a:avLst/>
@@ -38196,7 +38196,15 @@
             </a:pPr>
             <a:r>
               <a:rPr lang="en" dirty="0" smtClean="0"/>
-              <a:t>Chu Thanh Van</a:t>
+              <a:t>Chu </a:t>
+            </a:r>
+            <a:r>
+              <a:rPr lang="en" dirty="0" smtClean="0"/>
+              <a:t>Van</a:t>
+            </a:r>
+            <a:r>
+              <a:rPr lang="vi-VN" dirty="0" smtClean="0"/>
+              <a:t> Thanh</a:t>
             </a:r>
             <a:endParaRPr dirty="0"/>
           </a:p>
@@ -49858,8 +49866,8 @@
         </p:nvSpPr>
         <p:spPr>
           <a:xfrm>
-            <a:off x="1039561" y="2728138"/>
-            <a:ext cx="1633728" cy="1169551"/>
+            <a:off x="811742" y="2728138"/>
+            <a:ext cx="1906169" cy="1384995"/>
           </a:xfrm>
           <a:prstGeom prst="rect">
             <a:avLst/>
@@ -49872,13 +49880,25 @@
           </a:bodyPr>
           <a:lstStyle/>
           <a:p>
+            <a:pPr marL="285750" indent="-285750">
+              <a:buFontTx/>
+              <a:buChar char="-"/>
+            </a:pPr>
             <a:r>
               <a:rPr lang="vi-VN" dirty="0" smtClean="0">
                 <a:solidFill>
                   <a:schemeClr val="tx1"/>
                 </a:solidFill>
               </a:rPr>
-              <a:t>- Định danh nhân vật</a:t>
+              <a:t>Định </a:t>
+            </a:r>
+            <a:r>
+              <a:rPr lang="vi-VN" dirty="0" smtClean="0">
+                <a:solidFill>
+                  <a:schemeClr val="tx1"/>
+                </a:solidFill>
+              </a:rPr>
+              <a:t>danh nhân vật</a:t>
             </a:r>
             <a:br>
               <a:rPr lang="vi-VN" dirty="0" smtClean="0">
@@ -49893,7 +49913,7 @@
                   <a:schemeClr val="tx1"/>
                 </a:solidFill>
               </a:rPr>
-              <a:t>- </a:t>
+              <a:t>- Các đá sở </a:t>
             </a:r>
             <a:r>
               <a:rPr lang="vi-VN" dirty="0" smtClean="0">
@@ -49901,7 +49921,7 @@
                   <a:schemeClr val="tx1"/>
                 </a:solidFill>
               </a:rPr>
-              <a:t>Các đá sở hữ</a:t>
+              <a:t>hữu</a:t>
             </a:r>
             <a:r>
               <a:rPr lang="vi-VN" dirty="0" smtClean="0">
@@ -49924,8 +49944,35 @@
                   <a:schemeClr val="tx1"/>
                 </a:solidFill>
               </a:rPr>
-              <a:t>- Chọn ô dân và rải</a:t>
+              <a:t>- Chọn ô dân và </a:t>
             </a:r>
+            <a:r>
+              <a:rPr lang="vi-VN" dirty="0" smtClean="0">
+                <a:solidFill>
+                  <a:schemeClr val="tx1"/>
+                </a:solidFill>
+              </a:rPr>
+              <a:t>rải</a:t>
+            </a:r>
+          </a:p>
+          <a:p>
+            <a:pPr marL="285750" indent="-285750">
+              <a:buFontTx/>
+              <a:buChar char="-"/>
+            </a:pPr>
+            <a:r>
+              <a:rPr lang="vi-VN" dirty="0" smtClean="0">
+                <a:solidFill>
+                  <a:schemeClr val="tx1"/>
+                </a:solidFill>
+              </a:rPr>
+              <a:t>- Vay mượn đá</a:t>
+            </a:r>
+            <a:endParaRPr lang="vi-VN" dirty="0" smtClean="0">
+              <a:solidFill>
+                <a:schemeClr val="tx1"/>
+              </a:solidFill>
+            </a:endParaRPr>
           </a:p>
         </p:txBody>
       </p:sp>
@@ -50088,31 +50135,7 @@
                   <a:schemeClr val="tx1"/>
                 </a:solidFill>
               </a:rPr>
-              <a:t>- </a:t>
-            </a:r>
-            <a:r>
-              <a:rPr lang="vi-VN" smtClean="0">
-                <a:solidFill>
-                  <a:schemeClr val="tx1"/>
-                </a:solidFill>
-              </a:rPr>
-              <a:t>SmallGem </a:t>
-            </a:r>
-            <a:r>
-              <a:rPr lang="vi-VN" smtClean="0">
-                <a:solidFill>
-                  <a:schemeClr val="tx1"/>
-                </a:solidFill>
-              </a:rPr>
-              <a:t>= </a:t>
-            </a:r>
-            <a:r>
-              <a:rPr lang="vi-VN" smtClean="0">
-                <a:solidFill>
-                  <a:schemeClr val="tx1"/>
-                </a:solidFill>
-              </a:rPr>
-              <a:t>1 điểm</a:t>
+              <a:t>- SmallGem = 1 điểm</a:t>
             </a:r>
             <a:endParaRPr lang="vi-VN" dirty="0" smtClean="0">
               <a:solidFill>
@@ -51668,6 +51691,42 @@
         </p:nvCxnSpPr>
         <p:spPr>
           <a:xfrm>
+            <a:off x="5199887" y="1304669"/>
+            <a:ext cx="1073824" cy="0"/>
+          </a:xfrm>
+          <a:prstGeom prst="straightConnector1">
+            <a:avLst/>
+          </a:prstGeom>
+          <a:ln>
+            <a:tailEnd type="triangle"/>
+          </a:ln>
+        </p:spPr>
+        <p:style>
+          <a:lnRef idx="1">
+            <a:schemeClr val="accent1"/>
+          </a:lnRef>
+          <a:fillRef idx="0">
+            <a:schemeClr val="accent1"/>
+          </a:fillRef>
+          <a:effectRef idx="0">
+            <a:schemeClr val="accent1"/>
+          </a:effectRef>
+          <a:fontRef idx="minor">
+            <a:schemeClr val="tx1"/>
+          </a:fontRef>
+        </p:style>
+      </p:cxnSp>
+      <p:cxnSp>
+        <p:nvCxnSpPr>
+          <p:cNvPr id="6" name="Straight Arrow Connector 5"/>
+          <p:cNvCxnSpPr>
+            <a:stCxn id="31" idx="1"/>
+            <a:endCxn id="30" idx="3"/>
+          </p:cNvCxnSpPr>
+          <p:nvPr/>
+        </p:nvCxnSpPr>
+        <p:spPr>
+          <a:xfrm flipH="1">
             <a:off x="5199887" y="1304669"/>
             <a:ext cx="1073824" cy="0"/>
           </a:xfrm>
